--- a/RTS_InitialProjectReport.pptx
+++ b/RTS_InitialProjectReport.pptx
@@ -5,15 +5,16 @@
     <p:sldMasterId id="2147483854" r:id="rId1"/>
   </p:sldMasterIdLst>
   <p:notesMasterIdLst>
-    <p:notesMasterId r:id="rId8"/>
+    <p:notesMasterId r:id="rId9"/>
   </p:notesMasterIdLst>
   <p:sldIdLst>
     <p:sldId id="256" r:id="rId2"/>
     <p:sldId id="258" r:id="rId3"/>
     <p:sldId id="261" r:id="rId4"/>
-    <p:sldId id="259" r:id="rId5"/>
-    <p:sldId id="260" r:id="rId6"/>
-    <p:sldId id="262" r:id="rId7"/>
+    <p:sldId id="263" r:id="rId5"/>
+    <p:sldId id="259" r:id="rId6"/>
+    <p:sldId id="260" r:id="rId7"/>
+    <p:sldId id="262" r:id="rId8"/>
   </p:sldIdLst>
   <p:sldSz cx="12192000" cy="6858000"/>
   <p:notesSz cx="6858000" cy="9144000"/>
@@ -202,7 +203,7 @@
           <a:p>
             <a:fld id="{266DAC16-DA02-F847-8D55-44345BC3D9A5}" type="datetimeFigureOut">
               <a:rPr lang="de-DE" smtClean="0"/>
-              <a:t>13.05.20</a:t>
+              <a:t>15.05.20</a:t>
             </a:fld>
             <a:endParaRPr lang="de-DE"/>
           </a:p>
@@ -601,7 +602,7 @@
           <a:p>
             <a:fld id="{8B80C8B8-B73E-8B47-9E48-221C3F590C28}" type="datetime1">
               <a:rPr lang="de-DE" smtClean="0"/>
-              <a:t>13.05.20</a:t>
+              <a:t>15.05.20</a:t>
             </a:fld>
             <a:endParaRPr lang="de-DE"/>
           </a:p>
@@ -771,7 +772,7 @@
           <a:p>
             <a:fld id="{93C37B03-4513-A141-9022-E9824DCBB0A0}" type="datetime1">
               <a:rPr lang="de-DE" smtClean="0"/>
-              <a:t>13.05.20</a:t>
+              <a:t>15.05.20</a:t>
             </a:fld>
             <a:endParaRPr lang="de-DE"/>
           </a:p>
@@ -951,7 +952,7 @@
           <a:p>
             <a:fld id="{FF214724-919D-3A48-917F-8917AAF14B3A}" type="datetime1">
               <a:rPr lang="de-DE" smtClean="0"/>
-              <a:t>13.05.20</a:t>
+              <a:t>15.05.20</a:t>
             </a:fld>
             <a:endParaRPr lang="de-DE"/>
           </a:p>
@@ -1121,7 +1122,7 @@
           <a:p>
             <a:fld id="{982A8D32-BB74-954F-ACFF-87E57C5AC28A}" type="datetime1">
               <a:rPr lang="de-DE" smtClean="0"/>
-              <a:t>13.05.20</a:t>
+              <a:t>15.05.20</a:t>
             </a:fld>
             <a:endParaRPr lang="de-DE"/>
           </a:p>
@@ -1367,7 +1368,7 @@
           <a:p>
             <a:fld id="{E46E76CB-6BB4-DA4C-B48D-169919057F8A}" type="datetime1">
               <a:rPr lang="de-DE" smtClean="0"/>
-              <a:t>13.05.20</a:t>
+              <a:t>15.05.20</a:t>
             </a:fld>
             <a:endParaRPr lang="de-DE"/>
           </a:p>
@@ -1599,7 +1600,7 @@
           <a:p>
             <a:fld id="{F55CE61A-5631-AE44-8294-14E7692462B8}" type="datetime1">
               <a:rPr lang="de-DE" smtClean="0"/>
-              <a:t>13.05.20</a:t>
+              <a:t>15.05.20</a:t>
             </a:fld>
             <a:endParaRPr lang="de-DE"/>
           </a:p>
@@ -1966,7 +1967,7 @@
           <a:p>
             <a:fld id="{77641EFC-DD41-024F-AF86-EE6616483216}" type="datetime1">
               <a:rPr lang="de-DE" smtClean="0"/>
-              <a:t>13.05.20</a:t>
+              <a:t>15.05.20</a:t>
             </a:fld>
             <a:endParaRPr lang="de-DE"/>
           </a:p>
@@ -2084,7 +2085,7 @@
           <a:p>
             <a:fld id="{390441C9-2726-8849-B1B3-1ACF09CA1DD5}" type="datetime1">
               <a:rPr lang="de-DE" smtClean="0"/>
-              <a:t>13.05.20</a:t>
+              <a:t>15.05.20</a:t>
             </a:fld>
             <a:endParaRPr lang="de-DE"/>
           </a:p>
@@ -2179,7 +2180,7 @@
           <a:p>
             <a:fld id="{58DD452A-2813-4646-AD19-8C4B9CDAB8F3}" type="datetime1">
               <a:rPr lang="de-DE" smtClean="0"/>
-              <a:t>13.05.20</a:t>
+              <a:t>15.05.20</a:t>
             </a:fld>
             <a:endParaRPr lang="de-DE"/>
           </a:p>
@@ -2456,7 +2457,7 @@
           <a:p>
             <a:fld id="{6BF90A40-5018-E844-AE4D-A04427B8A67D}" type="datetime1">
               <a:rPr lang="de-DE" smtClean="0"/>
-              <a:t>13.05.20</a:t>
+              <a:t>15.05.20</a:t>
             </a:fld>
             <a:endParaRPr lang="de-DE"/>
           </a:p>
@@ -2713,7 +2714,7 @@
           <a:p>
             <a:fld id="{B39CFF23-CD56-C845-9F00-3DA42EF60425}" type="datetime1">
               <a:rPr lang="de-DE" smtClean="0"/>
-              <a:t>13.05.20</a:t>
+              <a:t>15.05.20</a:t>
             </a:fld>
             <a:endParaRPr lang="de-DE"/>
           </a:p>
@@ -2953,7 +2954,7 @@
           <a:p>
             <a:fld id="{CCBDBEBC-F268-6843-9BFF-885A5F68C54F}" type="datetime1">
               <a:rPr lang="de-DE" smtClean="0"/>
-              <a:t>13.05.20</a:t>
+              <a:t>15.05.20</a:t>
             </a:fld>
             <a:endParaRPr lang="de-DE"/>
           </a:p>
@@ -3585,7 +3586,7 @@
             <a:pPr algn="ctr"/>
             <a:r>
               <a:rPr lang="en-US" dirty="0"/>
-              <a:t>Project Description</a:t>
+              <a:t>Project Introduction</a:t>
             </a:r>
           </a:p>
         </p:txBody>
@@ -3606,32 +3607,21 @@
             <p:ph idx="1"/>
           </p:nvPr>
         </p:nvSpPr>
-        <p:spPr/>
-        <p:txBody>
-          <a:bodyPr/>
+        <p:spPr>
+          <a:xfrm>
+            <a:off x="838200" y="1690688"/>
+            <a:ext cx="10515600" cy="4486275"/>
+          </a:xfrm>
+        </p:spPr>
+        <p:txBody>
+          <a:bodyPr>
+            <a:normAutofit/>
+          </a:bodyPr>
           <a:lstStyle/>
           <a:p>
             <a:r>
               <a:rPr lang="en-US" dirty="0"/>
-              <a:t>Abstract</a:t>
-            </a:r>
-          </a:p>
-          <a:p>
-            <a:r>
-              <a:rPr lang="en-US" dirty="0"/>
-              <a:t>Design and Implementation(Real time aspects) - MVC</a:t>
-            </a:r>
-          </a:p>
-          <a:p>
-            <a:r>
-              <a:rPr lang="en-US" dirty="0"/>
-              <a:t>Features(Graphical view, multiple algorithms, timeline execution, types of input and output) </a:t>
-            </a:r>
-          </a:p>
-          <a:p>
-            <a:r>
-              <a:rPr lang="en-US" dirty="0"/>
-              <a:t>Technologies used</a:t>
+              <a:t>Scheduling is the decision on how the processes are assigned to run on available CPU(s). The objective of this project is to design and implement a simulator for real-time scheduling algorithms and display the behavior of such algorithms based on predefined task set. The following algorithms can be simulated: .....</a:t>
             </a:r>
           </a:p>
           <a:p>
@@ -3639,9 +3629,6 @@
               <a:rPr lang="en-US" dirty="0"/>
               <a:t>V- model (Confirm with professor)</a:t>
             </a:r>
-          </a:p>
-          <a:p>
-            <a:endParaRPr lang="en-US" dirty="0"/>
           </a:p>
         </p:txBody>
       </p:sp>
@@ -3742,35 +3729,6 @@
       </p:grpSpPr>
       <p:sp>
         <p:nvSpPr>
-          <p:cNvPr id="2" name="Title 1">
-            <a:extLst>
-              <a:ext uri="{FF2B5EF4-FFF2-40B4-BE49-F238E27FC236}">
-                <a16:creationId xmlns:a16="http://schemas.microsoft.com/office/drawing/2014/main" id="{D4858DAF-249F-5148-9CF1-E8D24A5F7E28}"/>
-              </a:ext>
-            </a:extLst>
-          </p:cNvPr>
-          <p:cNvSpPr>
-            <a:spLocks noGrp="1"/>
-          </p:cNvSpPr>
-          <p:nvPr>
-            <p:ph type="title"/>
-          </p:nvPr>
-        </p:nvSpPr>
-        <p:spPr/>
-        <p:txBody>
-          <a:bodyPr/>
-          <a:lstStyle/>
-          <a:p>
-            <a:pPr algn="ctr"/>
-            <a:r>
-              <a:rPr lang="en-US" dirty="0"/>
-              <a:t>Project Description</a:t>
-            </a:r>
-          </a:p>
-        </p:txBody>
-      </p:sp>
-      <p:sp>
-        <p:nvSpPr>
           <p:cNvPr id="3" name="Content Placeholder 2">
             <a:extLst>
               <a:ext uri="{FF2B5EF4-FFF2-40B4-BE49-F238E27FC236}">
@@ -3785,11 +3743,69 @@
             <p:ph idx="1"/>
           </p:nvPr>
         </p:nvSpPr>
-        <p:spPr/>
-        <p:txBody>
-          <a:bodyPr/>
-          <a:lstStyle/>
-          <a:p>
+        <p:spPr>
+          <a:xfrm>
+            <a:off x="838200" y="1122363"/>
+            <a:ext cx="10515600" cy="5054600"/>
+          </a:xfrm>
+        </p:spPr>
+        <p:txBody>
+          <a:bodyPr/>
+          <a:lstStyle/>
+          <a:p>
+            <a:r>
+              <a:rPr lang="en-US" dirty="0"/>
+              <a:t>The simulator includes the following:</a:t>
+            </a:r>
+          </a:p>
+          <a:p>
+            <a:pPr lvl="1"/>
+            <a:r>
+              <a:rPr lang="en-US" dirty="0"/>
+              <a:t>Multiple forms of input(.txt, .csv, .</a:t>
+            </a:r>
+            <a:r>
+              <a:rPr lang="en-US" dirty="0" err="1"/>
+              <a:t>xls</a:t>
+            </a:r>
+            <a:r>
+              <a:rPr lang="en-US" dirty="0"/>
+              <a:t> and via on screen input)</a:t>
+            </a:r>
+          </a:p>
+          <a:p>
+            <a:pPr lvl="1"/>
+            <a:r>
+              <a:rPr lang="en-US" dirty="0"/>
+              <a:t>Output in the form of graphical representation and numerical data</a:t>
+            </a:r>
+          </a:p>
+          <a:p>
+            <a:pPr lvl="1"/>
+            <a:r>
+              <a:rPr lang="en-US" dirty="0"/>
+              <a:t>Option to choose the desired scheduling algorithm for simulation</a:t>
+            </a:r>
+          </a:p>
+          <a:p>
+            <a:pPr lvl="1"/>
+            <a:r>
+              <a:rPr lang="en-US" dirty="0"/>
+              <a:t>Compare output of multiple algorithms</a:t>
+            </a:r>
+          </a:p>
+          <a:p>
+            <a:r>
+              <a:rPr lang="en-US" dirty="0"/>
+              <a:t>Technologies Used: Django Framework.</a:t>
+            </a:r>
+          </a:p>
+          <a:p>
+            <a:pPr lvl="1"/>
+            <a:endParaRPr lang="en-US" dirty="0"/>
+          </a:p>
+          <a:p>
+            <a:pPr lvl="1"/>
             <a:endParaRPr lang="en-US" dirty="0"/>
           </a:p>
         </p:txBody>
@@ -3894,6 +3910,230 @@
           <p:cNvPr id="2" name="Title 1">
             <a:extLst>
               <a:ext uri="{FF2B5EF4-FFF2-40B4-BE49-F238E27FC236}">
+                <a16:creationId xmlns:a16="http://schemas.microsoft.com/office/drawing/2014/main" id="{CECB3D77-B993-594A-BBAF-477AD1BC8004}"/>
+              </a:ext>
+            </a:extLst>
+          </p:cNvPr>
+          <p:cNvSpPr>
+            <a:spLocks noGrp="1"/>
+          </p:cNvSpPr>
+          <p:nvPr>
+            <p:ph type="title"/>
+          </p:nvPr>
+        </p:nvSpPr>
+        <p:spPr>
+          <a:xfrm>
+            <a:off x="838200" y="365125"/>
+            <a:ext cx="10515600" cy="623703"/>
+          </a:xfrm>
+        </p:spPr>
+        <p:txBody>
+          <a:bodyPr>
+            <a:normAutofit fontScale="90000"/>
+          </a:bodyPr>
+          <a:lstStyle/>
+          <a:p>
+            <a:r>
+              <a:rPr lang="en-US" dirty="0"/>
+              <a:t>Design:</a:t>
+            </a:r>
+          </a:p>
+        </p:txBody>
+      </p:sp>
+      <p:pic>
+        <p:nvPicPr>
+          <p:cNvPr id="6" name="Content Placeholder 5" descr="A picture containing flower&#10;&#10;Description automatically generated">
+            <a:extLst>
+              <a:ext uri="{FF2B5EF4-FFF2-40B4-BE49-F238E27FC236}">
+                <a16:creationId xmlns:a16="http://schemas.microsoft.com/office/drawing/2014/main" id="{474AC406-DB2E-0A4D-B195-6E7AA9C2EE1B}"/>
+              </a:ext>
+            </a:extLst>
+          </p:cNvPr>
+          <p:cNvPicPr>
+            <a:picLocks noGrp="1" noChangeAspect="1"/>
+          </p:cNvPicPr>
+          <p:nvPr>
+            <p:ph idx="1"/>
+          </p:nvPr>
+        </p:nvPicPr>
+        <p:blipFill>
+          <a:blip r:embed="rId2"/>
+          <a:stretch>
+            <a:fillRect/>
+          </a:stretch>
+        </p:blipFill>
+        <p:spPr>
+          <a:xfrm>
+            <a:off x="532662" y="2326828"/>
+            <a:ext cx="6235700" cy="3238500"/>
+          </a:xfrm>
+        </p:spPr>
+      </p:pic>
+      <p:sp>
+        <p:nvSpPr>
+          <p:cNvPr id="4" name="Slide Number Placeholder 3">
+            <a:extLst>
+              <a:ext uri="{FF2B5EF4-FFF2-40B4-BE49-F238E27FC236}">
+                <a16:creationId xmlns:a16="http://schemas.microsoft.com/office/drawing/2014/main" id="{325043BE-6662-3443-AE6C-6BB8C578F96A}"/>
+              </a:ext>
+            </a:extLst>
+          </p:cNvPr>
+          <p:cNvSpPr>
+            <a:spLocks noGrp="1"/>
+          </p:cNvSpPr>
+          <p:nvPr>
+            <p:ph type="sldNum" sz="quarter" idx="12"/>
+          </p:nvPr>
+        </p:nvSpPr>
+        <p:spPr/>
+        <p:txBody>
+          <a:bodyPr/>
+          <a:lstStyle/>
+          <a:p>
+            <a:fld id="{87DF2A7E-8477-AD4D-AAAC-6B3DEECADF48}" type="slidenum">
+              <a:rPr lang="de-DE" smtClean="0"/>
+              <a:t>4</a:t>
+            </a:fld>
+            <a:endParaRPr lang="de-DE"/>
+          </a:p>
+        </p:txBody>
+      </p:sp>
+      <p:sp>
+        <p:nvSpPr>
+          <p:cNvPr id="8" name="TextBox 7">
+            <a:extLst>
+              <a:ext uri="{FF2B5EF4-FFF2-40B4-BE49-F238E27FC236}">
+                <a16:creationId xmlns:a16="http://schemas.microsoft.com/office/drawing/2014/main" id="{B98DB151-BE42-984A-AF67-73FF9A96CF51}"/>
+              </a:ext>
+            </a:extLst>
+          </p:cNvPr>
+          <p:cNvSpPr txBox="1"/>
+          <p:nvPr/>
+        </p:nvSpPr>
+        <p:spPr>
+          <a:xfrm>
+            <a:off x="409591" y="849500"/>
+            <a:ext cx="7213953" cy="1477328"/>
+          </a:xfrm>
+          <a:prstGeom prst="rect">
+            <a:avLst/>
+          </a:prstGeom>
+          <a:noFill/>
+        </p:spPr>
+        <p:txBody>
+          <a:bodyPr wrap="square" rtlCol="0">
+            <a:spAutoFit/>
+          </a:bodyPr>
+          <a:lstStyle/>
+          <a:p>
+            <a:endParaRPr lang="en-US" dirty="0"/>
+          </a:p>
+          <a:p>
+            <a:pPr lvl="1"/>
+            <a:r>
+              <a:rPr lang="en-US" dirty="0"/>
+              <a:t>The simulator design is based on the MVC architecture, i.e., the algorithms are decoupled from the UI so any further algorithms can be implemented without changing the structure.</a:t>
+            </a:r>
+          </a:p>
+          <a:p>
+            <a:endParaRPr lang="en-US" dirty="0"/>
+          </a:p>
+        </p:txBody>
+      </p:sp>
+      <p:sp>
+        <p:nvSpPr>
+          <p:cNvPr id="9" name="TextBox 8">
+            <a:extLst>
+              <a:ext uri="{FF2B5EF4-FFF2-40B4-BE49-F238E27FC236}">
+                <a16:creationId xmlns:a16="http://schemas.microsoft.com/office/drawing/2014/main" id="{C44C9046-73CE-3C49-B595-E7045FF7F857}"/>
+              </a:ext>
+            </a:extLst>
+          </p:cNvPr>
+          <p:cNvSpPr txBox="1"/>
+          <p:nvPr/>
+        </p:nvSpPr>
+        <p:spPr>
+          <a:xfrm>
+            <a:off x="7240772" y="2062716"/>
+            <a:ext cx="4561368" cy="1200329"/>
+          </a:xfrm>
+          <a:prstGeom prst="rect">
+            <a:avLst/>
+          </a:prstGeom>
+          <a:noFill/>
+        </p:spPr>
+        <p:txBody>
+          <a:bodyPr wrap="square" rtlCol="0">
+            <a:spAutoFit/>
+          </a:bodyPr>
+          <a:lstStyle/>
+          <a:p>
+            <a:pPr marL="285750" indent="-285750">
+              <a:buFont typeface="Arial" panose="020B0604020202020204" pitchFamily="34" charset="0"/>
+              <a:buChar char="•"/>
+            </a:pPr>
+            <a:r>
+              <a:rPr lang="en-US" dirty="0"/>
+              <a:t>Model: Defines the algorithms</a:t>
+            </a:r>
+          </a:p>
+          <a:p>
+            <a:pPr marL="285750" indent="-285750">
+              <a:buFont typeface="Arial" panose="020B0604020202020204" pitchFamily="34" charset="0"/>
+              <a:buChar char="•"/>
+            </a:pPr>
+            <a:r>
+              <a:rPr lang="en-US" dirty="0"/>
+              <a:t>Views: Graphical representation</a:t>
+            </a:r>
+          </a:p>
+          <a:p>
+            <a:pPr marL="285750" indent="-285750">
+              <a:buFont typeface="Arial" panose="020B0604020202020204" pitchFamily="34" charset="0"/>
+              <a:buChar char="•"/>
+            </a:pPr>
+            <a:r>
+              <a:rPr lang="en-US" dirty="0"/>
+              <a:t>Controller: Redirects the request to the model </a:t>
+            </a:r>
+          </a:p>
+        </p:txBody>
+      </p:sp>
+    </p:spTree>
+    <p:extLst>
+      <p:ext uri="{BB962C8B-B14F-4D97-AF65-F5344CB8AC3E}">
+        <p14:creationId xmlns:p14="http://schemas.microsoft.com/office/powerpoint/2010/main" val="1713713305"/>
+      </p:ext>
+    </p:extLst>
+  </p:cSld>
+  <p:clrMapOvr>
+    <a:masterClrMapping/>
+  </p:clrMapOvr>
+</p:sld>
+</file>
+
+<file path=ppt/slides/slide5.xml><?xml version="1.0" encoding="utf-8"?>
+<p:sld xmlns:a="http://schemas.openxmlformats.org/drawingml/2006/main" xmlns:r="http://schemas.openxmlformats.org/officeDocument/2006/relationships" xmlns:p="http://schemas.openxmlformats.org/presentationml/2006/main">
+  <p:cSld>
+    <p:spTree>
+      <p:nvGrpSpPr>
+        <p:cNvPr id="1" name=""/>
+        <p:cNvGrpSpPr/>
+        <p:nvPr/>
+      </p:nvGrpSpPr>
+      <p:grpSpPr>
+        <a:xfrm>
+          <a:off x="0" y="0"/>
+          <a:ext cx="0" cy="0"/>
+          <a:chOff x="0" y="0"/>
+          <a:chExt cx="0" cy="0"/>
+        </a:xfrm>
+      </p:grpSpPr>
+      <p:sp>
+        <p:nvSpPr>
+          <p:cNvPr id="2" name="Title 1">
+            <a:extLst>
+              <a:ext uri="{FF2B5EF4-FFF2-40B4-BE49-F238E27FC236}">
                 <a16:creationId xmlns:a16="http://schemas.microsoft.com/office/drawing/2014/main" id="{D4858DAF-249F-5148-9CF1-E8D24A5F7E28}"/>
               </a:ext>
             </a:extLst>
@@ -4055,7 +4295,7 @@
           <a:p>
             <a:fld id="{87DF2A7E-8477-AD4D-AAAC-6B3DEECADF48}" type="slidenum">
               <a:rPr lang="de-DE" smtClean="0"/>
-              <a:t>4</a:t>
+              <a:t>5</a:t>
             </a:fld>
             <a:endParaRPr lang="de-DE"/>
           </a:p>
@@ -4110,7 +4350,7 @@
 </p:sld>
 </file>
 
-<file path=ppt/slides/slide5.xml><?xml version="1.0" encoding="utf-8"?>
+<file path=ppt/slides/slide6.xml><?xml version="1.0" encoding="utf-8"?>
 <p:sld xmlns:a="http://schemas.openxmlformats.org/drawingml/2006/main" xmlns:r="http://schemas.openxmlformats.org/officeDocument/2006/relationships" xmlns:p="http://schemas.openxmlformats.org/presentationml/2006/main">
   <p:cSld>
     <p:spTree>
@@ -4204,7 +4444,7 @@
           <a:p>
             <a:fld id="{87DF2A7E-8477-AD4D-AAAC-6B3DEECADF48}" type="slidenum">
               <a:rPr lang="de-DE" smtClean="0"/>
-              <a:t>5</a:t>
+              <a:t>6</a:t>
             </a:fld>
             <a:endParaRPr lang="de-DE"/>
           </a:p>
@@ -4259,7 +4499,7 @@
 </p:sld>
 </file>
 
-<file path=ppt/slides/slide6.xml><?xml version="1.0" encoding="utf-8"?>
+<file path=ppt/slides/slide7.xml><?xml version="1.0" encoding="utf-8"?>
 <p:sld xmlns:a="http://schemas.openxmlformats.org/drawingml/2006/main" xmlns:r="http://schemas.openxmlformats.org/officeDocument/2006/relationships" xmlns:p="http://schemas.openxmlformats.org/presentationml/2006/main">
   <p:cSld>
     <p:spTree>
@@ -4385,7 +4625,7 @@
           <a:p>
             <a:fld id="{87DF2A7E-8477-AD4D-AAAC-6B3DEECADF48}" type="slidenum">
               <a:rPr lang="de-DE" smtClean="0"/>
-              <a:t>6</a:t>
+              <a:t>7</a:t>
             </a:fld>
             <a:endParaRPr lang="de-DE"/>
           </a:p>

--- a/RTS_InitialProjectReport.pptx
+++ b/RTS_InitialProjectReport.pptx
@@ -5,7 +5,7 @@
     <p:sldMasterId id="2147483854" r:id="rId1"/>
   </p:sldMasterIdLst>
   <p:notesMasterIdLst>
-    <p:notesMasterId r:id="rId9"/>
+    <p:notesMasterId r:id="rId8"/>
   </p:notesMasterIdLst>
   <p:sldIdLst>
     <p:sldId id="256" r:id="rId2"/>
@@ -13,8 +13,7 @@
     <p:sldId id="261" r:id="rId4"/>
     <p:sldId id="263" r:id="rId5"/>
     <p:sldId id="259" r:id="rId6"/>
-    <p:sldId id="260" r:id="rId7"/>
-    <p:sldId id="262" r:id="rId8"/>
+    <p:sldId id="262" r:id="rId7"/>
   </p:sldIdLst>
   <p:sldSz cx="12192000" cy="6858000"/>
   <p:notesSz cx="6858000" cy="9144000"/>
@@ -203,7 +202,7 @@
           <a:p>
             <a:fld id="{266DAC16-DA02-F847-8D55-44345BC3D9A5}" type="datetimeFigureOut">
               <a:rPr lang="de-DE" smtClean="0"/>
-              <a:t>15.05.20</a:t>
+              <a:t>17.05.20</a:t>
             </a:fld>
             <a:endParaRPr lang="de-DE"/>
           </a:p>
@@ -602,7 +601,7 @@
           <a:p>
             <a:fld id="{8B80C8B8-B73E-8B47-9E48-221C3F590C28}" type="datetime1">
               <a:rPr lang="de-DE" smtClean="0"/>
-              <a:t>15.05.20</a:t>
+              <a:t>17.05.20</a:t>
             </a:fld>
             <a:endParaRPr lang="de-DE"/>
           </a:p>
@@ -772,7 +771,7 @@
           <a:p>
             <a:fld id="{93C37B03-4513-A141-9022-E9824DCBB0A0}" type="datetime1">
               <a:rPr lang="de-DE" smtClean="0"/>
-              <a:t>15.05.20</a:t>
+              <a:t>17.05.20</a:t>
             </a:fld>
             <a:endParaRPr lang="de-DE"/>
           </a:p>
@@ -952,7 +951,7 @@
           <a:p>
             <a:fld id="{FF214724-919D-3A48-917F-8917AAF14B3A}" type="datetime1">
               <a:rPr lang="de-DE" smtClean="0"/>
-              <a:t>15.05.20</a:t>
+              <a:t>17.05.20</a:t>
             </a:fld>
             <a:endParaRPr lang="de-DE"/>
           </a:p>
@@ -1122,7 +1121,7 @@
           <a:p>
             <a:fld id="{982A8D32-BB74-954F-ACFF-87E57C5AC28A}" type="datetime1">
               <a:rPr lang="de-DE" smtClean="0"/>
-              <a:t>15.05.20</a:t>
+              <a:t>17.05.20</a:t>
             </a:fld>
             <a:endParaRPr lang="de-DE"/>
           </a:p>
@@ -1368,7 +1367,7 @@
           <a:p>
             <a:fld id="{E46E76CB-6BB4-DA4C-B48D-169919057F8A}" type="datetime1">
               <a:rPr lang="de-DE" smtClean="0"/>
-              <a:t>15.05.20</a:t>
+              <a:t>17.05.20</a:t>
             </a:fld>
             <a:endParaRPr lang="de-DE"/>
           </a:p>
@@ -1600,7 +1599,7 @@
           <a:p>
             <a:fld id="{F55CE61A-5631-AE44-8294-14E7692462B8}" type="datetime1">
               <a:rPr lang="de-DE" smtClean="0"/>
-              <a:t>15.05.20</a:t>
+              <a:t>17.05.20</a:t>
             </a:fld>
             <a:endParaRPr lang="de-DE"/>
           </a:p>
@@ -1967,7 +1966,7 @@
           <a:p>
             <a:fld id="{77641EFC-DD41-024F-AF86-EE6616483216}" type="datetime1">
               <a:rPr lang="de-DE" smtClean="0"/>
-              <a:t>15.05.20</a:t>
+              <a:t>17.05.20</a:t>
             </a:fld>
             <a:endParaRPr lang="de-DE"/>
           </a:p>
@@ -2085,7 +2084,7 @@
           <a:p>
             <a:fld id="{390441C9-2726-8849-B1B3-1ACF09CA1DD5}" type="datetime1">
               <a:rPr lang="de-DE" smtClean="0"/>
-              <a:t>15.05.20</a:t>
+              <a:t>17.05.20</a:t>
             </a:fld>
             <a:endParaRPr lang="de-DE"/>
           </a:p>
@@ -2180,7 +2179,7 @@
           <a:p>
             <a:fld id="{58DD452A-2813-4646-AD19-8C4B9CDAB8F3}" type="datetime1">
               <a:rPr lang="de-DE" smtClean="0"/>
-              <a:t>15.05.20</a:t>
+              <a:t>17.05.20</a:t>
             </a:fld>
             <a:endParaRPr lang="de-DE"/>
           </a:p>
@@ -2457,7 +2456,7 @@
           <a:p>
             <a:fld id="{6BF90A40-5018-E844-AE4D-A04427B8A67D}" type="datetime1">
               <a:rPr lang="de-DE" smtClean="0"/>
-              <a:t>15.05.20</a:t>
+              <a:t>17.05.20</a:t>
             </a:fld>
             <a:endParaRPr lang="de-DE"/>
           </a:p>
@@ -2714,7 +2713,7 @@
           <a:p>
             <a:fld id="{B39CFF23-CD56-C845-9F00-3DA42EF60425}" type="datetime1">
               <a:rPr lang="de-DE" smtClean="0"/>
-              <a:t>15.05.20</a:t>
+              <a:t>17.05.20</a:t>
             </a:fld>
             <a:endParaRPr lang="de-DE"/>
           </a:p>
@@ -2954,7 +2953,7 @@
           <a:p>
             <a:fld id="{CCBDBEBC-F268-6843-9BFF-885A5F68C54F}" type="datetime1">
               <a:rPr lang="de-DE" smtClean="0"/>
-              <a:t>15.05.20</a:t>
+              <a:t>17.05.20</a:t>
             </a:fld>
             <a:endParaRPr lang="de-DE"/>
           </a:p>
@@ -3580,13 +3579,14 @@
         </p:nvSpPr>
         <p:spPr/>
         <p:txBody>
-          <a:bodyPr/>
-          <a:lstStyle/>
-          <a:p>
-            <a:pPr algn="ctr"/>
-            <a:r>
-              <a:rPr lang="en-US" dirty="0"/>
-              <a:t>Project Introduction</a:t>
+          <a:bodyPr>
+            <a:normAutofit/>
+          </a:bodyPr>
+          <a:lstStyle/>
+          <a:p>
+            <a:r>
+              <a:rPr lang="en-US" sz="3600" dirty="0"/>
+              <a:t>Introduction</a:t>
             </a:r>
           </a:p>
         </p:txBody>
@@ -3619,16 +3619,104 @@
           </a:bodyPr>
           <a:lstStyle/>
           <a:p>
-            <a:r>
-              <a:rPr lang="en-US" dirty="0"/>
-              <a:t>Scheduling is the decision on how the processes are assigned to run on available CPU(s). The objective of this project is to design and implement a simulator for real-time scheduling algorithms and display the behavior of such algorithms based on predefined task set. The following algorithms can be simulated: .....</a:t>
-            </a:r>
-          </a:p>
-          <a:p>
-            <a:r>
-              <a:rPr lang="en-US" dirty="0"/>
-              <a:t>V- model (Confirm with professor)</a:t>
-            </a:r>
+            <a:pPr marL="0" indent="0">
+              <a:buNone/>
+            </a:pPr>
+            <a:r>
+              <a:rPr lang="en-US" sz="2000" dirty="0"/>
+              <a:t>Scheduling is the decision on how the processes are assigned to run on available CPU(s). </a:t>
+            </a:r>
+          </a:p>
+          <a:p>
+            <a:pPr marL="0" indent="0">
+              <a:buNone/>
+            </a:pPr>
+            <a:r>
+              <a:rPr lang="en-US" sz="2000" dirty="0"/>
+              <a:t>The objective of this project is to design and implement a simulator for real-time scheduling algorithms and display the behavior of such algorithms based on predefined task set. The following algorithms will be simulated: </a:t>
+            </a:r>
+          </a:p>
+          <a:p>
+            <a:pPr marL="971550" lvl="1" indent="-514350">
+              <a:buFont typeface="+mj-lt"/>
+              <a:buAutoNum type="arabicPeriod"/>
+            </a:pPr>
+            <a:r>
+              <a:rPr lang="en-US" sz="2000" dirty="0"/>
+              <a:t>First In First Out (FIFO)</a:t>
+            </a:r>
+          </a:p>
+          <a:p>
+            <a:pPr marL="971550" lvl="1" indent="-514350">
+              <a:buFont typeface="+mj-lt"/>
+              <a:buAutoNum type="arabicPeriod"/>
+            </a:pPr>
+            <a:r>
+              <a:rPr lang="en-US" sz="2000" dirty="0"/>
+              <a:t>Shortest Job First </a:t>
+            </a:r>
+          </a:p>
+          <a:p>
+            <a:pPr marL="971550" lvl="1" indent="-514350">
+              <a:buFont typeface="+mj-lt"/>
+              <a:buAutoNum type="arabicPeriod"/>
+            </a:pPr>
+            <a:r>
+              <a:rPr lang="en-US" sz="2000" dirty="0"/>
+              <a:t>Earliest Deadline First (EDF)</a:t>
+            </a:r>
+          </a:p>
+          <a:p>
+            <a:pPr marL="971550" lvl="1" indent="-514350">
+              <a:buFont typeface="+mj-lt"/>
+              <a:buAutoNum type="arabicPeriod"/>
+            </a:pPr>
+            <a:r>
+              <a:rPr lang="en-US" sz="2000" dirty="0"/>
+              <a:t>Rate Monotonic scheduling</a:t>
+            </a:r>
+          </a:p>
+          <a:p>
+            <a:pPr marL="971550" lvl="1" indent="-514350">
+              <a:buFont typeface="+mj-lt"/>
+              <a:buAutoNum type="arabicPeriod"/>
+            </a:pPr>
+            <a:r>
+              <a:rPr lang="en-US" sz="2000" dirty="0"/>
+              <a:t>Deadline Monotonic scheduling</a:t>
+            </a:r>
+          </a:p>
+          <a:p>
+            <a:pPr marL="971550" lvl="1" indent="-514350">
+              <a:buFont typeface="+mj-lt"/>
+              <a:buAutoNum type="arabicPeriod"/>
+            </a:pPr>
+            <a:r>
+              <a:rPr lang="en-US" sz="2000" dirty="0"/>
+              <a:t>Least </a:t>
+            </a:r>
+            <a:r>
+              <a:rPr lang="en-US" sz="2000" dirty="0" err="1"/>
+              <a:t>Slacktime</a:t>
+            </a:r>
+            <a:r>
+              <a:rPr lang="en-US" sz="2000" dirty="0"/>
+              <a:t> First (LSF)</a:t>
+            </a:r>
+          </a:p>
+          <a:p>
+            <a:pPr marL="971550" lvl="1" indent="-514350">
+              <a:buFont typeface="+mj-lt"/>
+              <a:buAutoNum type="arabicPeriod"/>
+            </a:pPr>
+            <a:endParaRPr lang="en-US" dirty="0"/>
+          </a:p>
+          <a:p>
+            <a:pPr marL="971550" lvl="1" indent="-514350">
+              <a:buFont typeface="+mj-lt"/>
+              <a:buAutoNum type="arabicPeriod"/>
+            </a:pPr>
+            <a:endParaRPr lang="en-US" dirty="0"/>
           </a:p>
         </p:txBody>
       </p:sp>
@@ -3745,8 +3833,8 @@
         </p:nvSpPr>
         <p:spPr>
           <a:xfrm>
-            <a:off x="838200" y="1122363"/>
-            <a:ext cx="10515600" cy="5054600"/>
+            <a:off x="838200" y="1488557"/>
+            <a:ext cx="10515600" cy="4688405"/>
           </a:xfrm>
         </p:spPr>
         <p:txBody>
@@ -3754,49 +3842,55 @@
           <a:lstStyle/>
           <a:p>
             <a:r>
-              <a:rPr lang="en-US" dirty="0"/>
+              <a:rPr lang="en-US" sz="2000" dirty="0"/>
               <a:t>The simulator includes the following:</a:t>
             </a:r>
           </a:p>
           <a:p>
             <a:pPr lvl="1"/>
             <a:r>
-              <a:rPr lang="en-US" dirty="0"/>
+              <a:rPr lang="en-US" sz="2000" dirty="0"/>
               <a:t>Multiple forms of input(.txt, .csv, .</a:t>
             </a:r>
             <a:r>
-              <a:rPr lang="en-US" dirty="0" err="1"/>
+              <a:rPr lang="en-US" sz="2000" dirty="0" err="1"/>
               <a:t>xls</a:t>
             </a:r>
             <a:r>
-              <a:rPr lang="en-US" dirty="0"/>
+              <a:rPr lang="en-US" sz="2000" dirty="0"/>
               <a:t> and via on screen input)</a:t>
             </a:r>
           </a:p>
           <a:p>
             <a:pPr lvl="1"/>
             <a:r>
-              <a:rPr lang="en-US" dirty="0"/>
+              <a:rPr lang="en-US" sz="2000" dirty="0"/>
               <a:t>Output in the form of graphical representation and numerical data</a:t>
             </a:r>
           </a:p>
           <a:p>
             <a:pPr lvl="1"/>
             <a:r>
-              <a:rPr lang="en-US" dirty="0"/>
+              <a:rPr lang="en-US" sz="2000" dirty="0"/>
               <a:t>Option to choose the desired scheduling algorithm for simulation</a:t>
             </a:r>
           </a:p>
           <a:p>
             <a:pPr lvl="1"/>
             <a:r>
-              <a:rPr lang="en-US" dirty="0"/>
+              <a:rPr lang="en-US" sz="2000" dirty="0"/>
               <a:t>Compare output of multiple algorithms</a:t>
             </a:r>
           </a:p>
           <a:p>
-            <a:r>
-              <a:rPr lang="en-US" dirty="0"/>
+            <a:pPr marL="457200" lvl="1" indent="0">
+              <a:buNone/>
+            </a:pPr>
+            <a:endParaRPr lang="en-US" sz="2000" dirty="0"/>
+          </a:p>
+          <a:p>
+            <a:r>
+              <a:rPr lang="en-US" sz="2000" dirty="0"/>
               <a:t>Technologies Used: Django Framework.</a:t>
             </a:r>
           </a:p>
@@ -3875,6 +3969,46 @@
           </a:prstGeom>
         </p:spPr>
       </p:pic>
+      <p:sp>
+        <p:nvSpPr>
+          <p:cNvPr id="2" name="TextBox 1">
+            <a:extLst>
+              <a:ext uri="{FF2B5EF4-FFF2-40B4-BE49-F238E27FC236}">
+                <a16:creationId xmlns:a16="http://schemas.microsoft.com/office/drawing/2014/main" id="{311FFEA7-0E44-214D-AE0A-6F880818592E}"/>
+              </a:ext>
+            </a:extLst>
+          </p:cNvPr>
+          <p:cNvSpPr txBox="1"/>
+          <p:nvPr/>
+        </p:nvSpPr>
+        <p:spPr>
+          <a:xfrm>
+            <a:off x="838200" y="573644"/>
+            <a:ext cx="3923414" cy="646331"/>
+          </a:xfrm>
+          <a:prstGeom prst="rect">
+            <a:avLst/>
+          </a:prstGeom>
+          <a:noFill/>
+        </p:spPr>
+        <p:txBody>
+          <a:bodyPr wrap="square" rtlCol="0">
+            <a:spAutoFit/>
+          </a:bodyPr>
+          <a:lstStyle/>
+          <a:p>
+            <a:r>
+              <a:rPr lang="en-US" sz="3600" dirty="0">
+                <a:latin typeface="+mj-lt"/>
+                <a:ea typeface="+mj-ea"/>
+                <a:cs typeface="+mj-cs"/>
+              </a:rPr>
+              <a:t>Features</a:t>
+            </a:r>
+            <a:endParaRPr lang="en-US" sz="3600" dirty="0"/>
+          </a:p>
+        </p:txBody>
+      </p:sp>
     </p:spTree>
     <p:extLst>
       <p:ext uri="{BB962C8B-B14F-4D97-AF65-F5344CB8AC3E}">
@@ -3934,9 +4068,10 @@
           <a:lstStyle/>
           <a:p>
             <a:r>
-              <a:rPr lang="en-US" dirty="0"/>
-              <a:t>Design:</a:t>
-            </a:r>
+              <a:rPr lang="en-US" sz="4000" dirty="0"/>
+              <a:t>Design</a:t>
+            </a:r>
+            <a:endParaRPr lang="en-US" dirty="0"/>
           </a:p>
         </p:txBody>
       </p:sp>
@@ -4054,7 +4189,7 @@
         </p:nvSpPr>
         <p:spPr>
           <a:xfrm>
-            <a:off x="7240772" y="2062716"/>
+            <a:off x="7315200" y="2745749"/>
             <a:ext cx="4561368" cy="1200329"/>
           </a:xfrm>
           <a:prstGeom prst="rect">
@@ -4145,14 +4280,20 @@
             <p:ph type="title"/>
           </p:nvPr>
         </p:nvSpPr>
-        <p:spPr/>
-        <p:txBody>
-          <a:bodyPr/>
-          <a:lstStyle/>
-          <a:p>
-            <a:pPr algn="ctr"/>
-            <a:r>
-              <a:rPr lang="en-US" dirty="0"/>
+        <p:spPr>
+          <a:xfrm>
+            <a:off x="838200" y="365125"/>
+            <a:ext cx="10515600" cy="990601"/>
+          </a:xfrm>
+        </p:spPr>
+        <p:txBody>
+          <a:bodyPr>
+            <a:normAutofit/>
+          </a:bodyPr>
+          <a:lstStyle/>
+          <a:p>
+            <a:r>
+              <a:rPr lang="en-US" sz="3600" dirty="0"/>
               <a:t>Project Plan</a:t>
             </a:r>
           </a:p>
@@ -4177,94 +4318,11 @@
         <p:spPr/>
         <p:txBody>
           <a:bodyPr>
-            <a:normAutofit lnSpcReduction="10000"/>
+            <a:normAutofit/>
           </a:bodyPr>
           <a:lstStyle/>
           <a:p>
-            <a:r>
-              <a:rPr lang="en-US" dirty="0"/>
-              <a:t>By </a:t>
-            </a:r>
-            <a:r>
-              <a:rPr lang="en-GB" dirty="0"/>
-              <a:t>intermediate project report Assignment: </a:t>
-            </a:r>
-          </a:p>
-          <a:p>
-            <a:pPr lvl="1"/>
-            <a:r>
-              <a:rPr lang="en-GB" dirty="0"/>
-              <a:t>Architecture Design completed</a:t>
-            </a:r>
-          </a:p>
-          <a:p>
-            <a:pPr lvl="1"/>
-            <a:r>
-              <a:rPr lang="en-GB" dirty="0"/>
-              <a:t>Framework Skeleton </a:t>
-            </a:r>
-          </a:p>
-          <a:p>
-            <a:pPr lvl="1"/>
-            <a:r>
-              <a:rPr lang="en-GB" dirty="0"/>
-              <a:t>2 algorithms </a:t>
-            </a:r>
-          </a:p>
-          <a:p>
-            <a:pPr lvl="1"/>
-            <a:r>
-              <a:rPr lang="en-GB" dirty="0"/>
-              <a:t>Basic UI</a:t>
-            </a:r>
-          </a:p>
-          <a:p>
-            <a:r>
-              <a:rPr lang="en-GB" dirty="0"/>
-              <a:t>Next two weeks(23</a:t>
-            </a:r>
-            <a:r>
-              <a:rPr lang="en-GB" baseline="30000" dirty="0"/>
-              <a:t>rd</a:t>
-            </a:r>
-            <a:r>
-              <a:rPr lang="en-GB" dirty="0"/>
-              <a:t> June):</a:t>
-            </a:r>
-          </a:p>
-          <a:p>
-            <a:pPr lvl="1"/>
-            <a:r>
-              <a:rPr lang="en-GB" dirty="0"/>
-              <a:t>Complete UI</a:t>
-            </a:r>
-          </a:p>
-          <a:p>
-            <a:pPr lvl="1"/>
-            <a:r>
-              <a:rPr lang="en-GB" dirty="0"/>
-              <a:t>Remaining 2 algorithms</a:t>
-            </a:r>
-          </a:p>
-          <a:p>
-            <a:pPr lvl="1"/>
-            <a:r>
-              <a:rPr lang="en-GB" dirty="0"/>
-              <a:t>Complete Project submission</a:t>
-            </a:r>
-          </a:p>
-          <a:p>
-            <a:r>
-              <a:rPr lang="en-GB" dirty="0"/>
-              <a:t>By next stage:</a:t>
-            </a:r>
-          </a:p>
-          <a:p>
-            <a:pPr lvl="1"/>
-            <a:r>
-              <a:rPr lang="en-GB" dirty="0"/>
-              <a:t>Report </a:t>
-            </a:r>
+            <a:endParaRPr lang="en-GB" dirty="0"/>
           </a:p>
           <a:p>
             <a:pPr lvl="1"/>
@@ -4296,6 +4354,554 @@
             <a:fld id="{87DF2A7E-8477-AD4D-AAAC-6B3DEECADF48}" type="slidenum">
               <a:rPr lang="de-DE" smtClean="0"/>
               <a:t>5</a:t>
+            </a:fld>
+            <a:endParaRPr lang="de-DE"/>
+          </a:p>
+        </p:txBody>
+      </p:sp>
+      <p:pic>
+        <p:nvPicPr>
+          <p:cNvPr id="5" name="Graphic 4">
+            <a:extLst>
+              <a:ext uri="{FF2B5EF4-FFF2-40B4-BE49-F238E27FC236}">
+                <a16:creationId xmlns:a16="http://schemas.microsoft.com/office/drawing/2014/main" id="{6D17843F-67EA-D94B-84D4-8EE26E479970}"/>
+              </a:ext>
+            </a:extLst>
+          </p:cNvPr>
+          <p:cNvPicPr>
+            <a:picLocks noChangeAspect="1"/>
+          </p:cNvPicPr>
+          <p:nvPr/>
+        </p:nvPicPr>
+        <p:blipFill>
+          <a:blip r:embed="rId3">
+            <a:extLst>
+              <a:ext uri="{96DAC541-7B7A-43D3-8B79-37D633B846F1}">
+                <asvg:svgBlip xmlns:asvg="http://schemas.microsoft.com/office/drawing/2016/SVG/main" r:embed="rId4"/>
+              </a:ext>
+            </a:extLst>
+          </a:blip>
+          <a:stretch>
+            <a:fillRect/>
+          </a:stretch>
+        </p:blipFill>
+        <p:spPr>
+          <a:xfrm>
+            <a:off x="9423400" y="131763"/>
+            <a:ext cx="2489200" cy="990600"/>
+          </a:xfrm>
+          <a:prstGeom prst="rect">
+            <a:avLst/>
+          </a:prstGeom>
+        </p:spPr>
+      </p:pic>
+      <p:graphicFrame>
+        <p:nvGraphicFramePr>
+          <p:cNvPr id="9" name="Object 8">
+            <a:extLst>
+              <a:ext uri="{FF2B5EF4-FFF2-40B4-BE49-F238E27FC236}">
+                <a16:creationId xmlns:a16="http://schemas.microsoft.com/office/drawing/2014/main" id="{D8D6CD04-D80E-9F4F-8FC7-B09E2B6C477D}"/>
+              </a:ext>
+            </a:extLst>
+          </p:cNvPr>
+          <p:cNvGraphicFramePr>
+            <a:graphicFrameLocks noChangeAspect="1"/>
+          </p:cNvGraphicFramePr>
+          <p:nvPr>
+            <p:extLst>
+              <p:ext uri="{D42A27DB-BD31-4B8C-83A1-F6EECF244321}">
+                <p14:modId xmlns:p14="http://schemas.microsoft.com/office/powerpoint/2010/main" val="1118756115"/>
+              </p:ext>
+            </p:extLst>
+          </p:nvPr>
+        </p:nvGraphicFramePr>
+        <p:xfrm>
+          <a:off x="1193800" y="1739899"/>
+          <a:ext cx="9804400" cy="3378201"/>
+        </p:xfrm>
+        <a:graphic>
+          <a:graphicData uri="http://schemas.openxmlformats.org/presentationml/2006/ole">
+            <mc:AlternateContent xmlns:mc="http://schemas.openxmlformats.org/markup-compatibility/2006">
+              <mc:Choice xmlns:v="urn:schemas-microsoft-com:vml" Requires="v">
+                <p:oleObj spid="_x0000_s1049" name="Worksheet" r:id="rId5" imgW="9804400" imgH="3378200" progId="Excel.Sheet.12">
+                  <p:embed/>
+                </p:oleObj>
+              </mc:Choice>
+              <mc:Fallback>
+                <p:oleObj name="Worksheet" r:id="rId5" imgW="9804400" imgH="3378200" progId="Excel.Sheet.12">
+                  <p:embed/>
+                  <p:pic>
+                    <p:nvPicPr>
+                      <p:cNvPr id="0" name=""/>
+                      <p:cNvPicPr/>
+                      <p:nvPr/>
+                    </p:nvPicPr>
+                    <p:blipFill>
+                      <a:blip r:embed="rId6"/>
+                      <a:stretch>
+                        <a:fillRect/>
+                      </a:stretch>
+                    </p:blipFill>
+                    <p:spPr>
+                      <a:xfrm>
+                        <a:off x="1193800" y="1739899"/>
+                        <a:ext cx="9804400" cy="3378201"/>
+                      </a:xfrm>
+                      <a:prstGeom prst="rect">
+                        <a:avLst/>
+                      </a:prstGeom>
+                    </p:spPr>
+                  </p:pic>
+                </p:oleObj>
+              </mc:Fallback>
+            </mc:AlternateContent>
+          </a:graphicData>
+        </a:graphic>
+      </p:graphicFrame>
+    </p:spTree>
+    <p:extLst>
+      <p:ext uri="{BB962C8B-B14F-4D97-AF65-F5344CB8AC3E}">
+        <p14:creationId xmlns:p14="http://schemas.microsoft.com/office/powerpoint/2010/main" val="3528003949"/>
+      </p:ext>
+    </p:extLst>
+  </p:cSld>
+  <p:clrMapOvr>
+    <a:masterClrMapping/>
+  </p:clrMapOvr>
+</p:sld>
+</file>
+
+<file path=ppt/slides/slide6.xml><?xml version="1.0" encoding="utf-8"?>
+<p:sld xmlns:a="http://schemas.openxmlformats.org/drawingml/2006/main" xmlns:r="http://schemas.openxmlformats.org/officeDocument/2006/relationships" xmlns:p="http://schemas.openxmlformats.org/presentationml/2006/main">
+  <p:cSld>
+    <p:spTree>
+      <p:nvGrpSpPr>
+        <p:cNvPr id="1" name=""/>
+        <p:cNvGrpSpPr/>
+        <p:nvPr/>
+      </p:nvGrpSpPr>
+      <p:grpSpPr>
+        <a:xfrm>
+          <a:off x="0" y="0"/>
+          <a:ext cx="0" cy="0"/>
+          <a:chOff x="0" y="0"/>
+          <a:chExt cx="0" cy="0"/>
+        </a:xfrm>
+      </p:grpSpPr>
+      <p:sp>
+        <p:nvSpPr>
+          <p:cNvPr id="2" name="Title 1">
+            <a:extLst>
+              <a:ext uri="{FF2B5EF4-FFF2-40B4-BE49-F238E27FC236}">
+                <a16:creationId xmlns:a16="http://schemas.microsoft.com/office/drawing/2014/main" id="{D4858DAF-249F-5148-9CF1-E8D24A5F7E28}"/>
+              </a:ext>
+            </a:extLst>
+          </p:cNvPr>
+          <p:cNvSpPr>
+            <a:spLocks noGrp="1"/>
+          </p:cNvSpPr>
+          <p:nvPr>
+            <p:ph type="title"/>
+          </p:nvPr>
+        </p:nvSpPr>
+        <p:spPr>
+          <a:xfrm>
+            <a:off x="838200" y="365126"/>
+            <a:ext cx="10515600" cy="985996"/>
+          </a:xfrm>
+        </p:spPr>
+        <p:txBody>
+          <a:bodyPr/>
+          <a:lstStyle/>
+          <a:p>
+            <a:r>
+              <a:rPr lang="en-US" sz="3600" dirty="0"/>
+              <a:t>Individual</a:t>
+            </a:r>
+            <a:r>
+              <a:rPr lang="en-US" dirty="0"/>
+              <a:t> </a:t>
+            </a:r>
+            <a:r>
+              <a:rPr lang="en-US" sz="3600" dirty="0"/>
+              <a:t>Roles</a:t>
+            </a:r>
+          </a:p>
+        </p:txBody>
+      </p:sp>
+      <p:graphicFrame>
+        <p:nvGraphicFramePr>
+          <p:cNvPr id="10" name="Content Placeholder 9">
+            <a:extLst>
+              <a:ext uri="{FF2B5EF4-FFF2-40B4-BE49-F238E27FC236}">
+                <a16:creationId xmlns:a16="http://schemas.microsoft.com/office/drawing/2014/main" id="{7410C289-7229-D54F-B08D-6661380C6604}"/>
+              </a:ext>
+            </a:extLst>
+          </p:cNvPr>
+          <p:cNvGraphicFramePr>
+            <a:graphicFrameLocks noGrp="1"/>
+          </p:cNvGraphicFramePr>
+          <p:nvPr>
+            <p:ph idx="1"/>
+            <p:extLst>
+              <p:ext uri="{D42A27DB-BD31-4B8C-83A1-F6EECF244321}">
+                <p14:modId xmlns:p14="http://schemas.microsoft.com/office/powerpoint/2010/main" val="1107869026"/>
+              </p:ext>
+            </p:extLst>
+          </p:nvPr>
+        </p:nvGraphicFramePr>
+        <p:xfrm>
+          <a:off x="3443176" y="1839433"/>
+          <a:ext cx="5305648" cy="2966720"/>
+        </p:xfrm>
+        <a:graphic>
+          <a:graphicData uri="http://schemas.openxmlformats.org/drawingml/2006/table">
+            <a:tbl>
+              <a:tblPr firstRow="1" bandRow="1">
+                <a:tableStyleId>{5940675A-B579-460E-94D1-54222C63F5DA}</a:tableStyleId>
+              </a:tblPr>
+              <a:tblGrid>
+                <a:gridCol w="2143406">
+                  <a:extLst>
+                    <a:ext uri="{9D8B030D-6E8A-4147-A177-3AD203B41FA5}">
+                      <a16:colId xmlns:a16="http://schemas.microsoft.com/office/drawing/2014/main" val="30870022"/>
+                    </a:ext>
+                  </a:extLst>
+                </a:gridCol>
+                <a:gridCol w="3162242">
+                  <a:extLst>
+                    <a:ext uri="{9D8B030D-6E8A-4147-A177-3AD203B41FA5}">
+                      <a16:colId xmlns:a16="http://schemas.microsoft.com/office/drawing/2014/main" val="4145086055"/>
+                    </a:ext>
+                  </a:extLst>
+                </a:gridCol>
+              </a:tblGrid>
+              <a:tr h="370840">
+                <a:tc>
+                  <a:txBody>
+                    <a:bodyPr/>
+                    <a:lstStyle/>
+                    <a:p>
+                      <a:r>
+                        <a:rPr lang="en-US" b="1" dirty="0"/>
+                        <a:t>Project Elements</a:t>
+                      </a:r>
+                    </a:p>
+                  </a:txBody>
+                  <a:tcPr/>
+                </a:tc>
+                <a:tc>
+                  <a:txBody>
+                    <a:bodyPr/>
+                    <a:lstStyle/>
+                    <a:p>
+                      <a:r>
+                        <a:rPr lang="en-US" b="1" dirty="0"/>
+                        <a:t>Member Contribution </a:t>
+                      </a:r>
+                    </a:p>
+                  </a:txBody>
+                  <a:tcPr/>
+                </a:tc>
+                <a:extLst>
+                  <a:ext uri="{0D108BD9-81ED-4DB2-BD59-A6C34878D82A}">
+                    <a16:rowId xmlns:a16="http://schemas.microsoft.com/office/drawing/2014/main" val="701855158"/>
+                  </a:ext>
+                </a:extLst>
+              </a:tr>
+              <a:tr h="370840">
+                <a:tc>
+                  <a:txBody>
+                    <a:bodyPr/>
+                    <a:lstStyle/>
+                    <a:p>
+                      <a:r>
+                        <a:rPr lang="en-US" dirty="0"/>
+                        <a:t>Initial Phase</a:t>
+                      </a:r>
+                    </a:p>
+                  </a:txBody>
+                  <a:tcPr/>
+                </a:tc>
+                <a:tc>
+                  <a:txBody>
+                    <a:bodyPr/>
+                    <a:lstStyle/>
+                    <a:p>
+                      <a:r>
+                        <a:rPr lang="en-US" dirty="0"/>
+                        <a:t>Team</a:t>
+                      </a:r>
+                    </a:p>
+                  </a:txBody>
+                  <a:tcPr/>
+                </a:tc>
+                <a:extLst>
+                  <a:ext uri="{0D108BD9-81ED-4DB2-BD59-A6C34878D82A}">
+                    <a16:rowId xmlns:a16="http://schemas.microsoft.com/office/drawing/2014/main" val="801738736"/>
+                  </a:ext>
+                </a:extLst>
+              </a:tr>
+              <a:tr h="370840">
+                <a:tc>
+                  <a:txBody>
+                    <a:bodyPr/>
+                    <a:lstStyle/>
+                    <a:p>
+                      <a:r>
+                        <a:rPr lang="en-US" dirty="0"/>
+                        <a:t>Process Plan</a:t>
+                      </a:r>
+                    </a:p>
+                  </a:txBody>
+                  <a:tcPr/>
+                </a:tc>
+                <a:tc>
+                  <a:txBody>
+                    <a:bodyPr/>
+                    <a:lstStyle/>
+                    <a:p>
+                      <a:r>
+                        <a:rPr lang="en-US" dirty="0"/>
+                        <a:t>Team</a:t>
+                      </a:r>
+                    </a:p>
+                  </a:txBody>
+                  <a:tcPr/>
+                </a:tc>
+                <a:extLst>
+                  <a:ext uri="{0D108BD9-81ED-4DB2-BD59-A6C34878D82A}">
+                    <a16:rowId xmlns:a16="http://schemas.microsoft.com/office/drawing/2014/main" val="1057663803"/>
+                  </a:ext>
+                </a:extLst>
+              </a:tr>
+              <a:tr h="370840">
+                <a:tc>
+                  <a:txBody>
+                    <a:bodyPr/>
+                    <a:lstStyle/>
+                    <a:p>
+                      <a:r>
+                        <a:rPr lang="en-US" dirty="0"/>
+                        <a:t>Design</a:t>
+                      </a:r>
+                    </a:p>
+                  </a:txBody>
+                  <a:tcPr/>
+                </a:tc>
+                <a:tc>
+                  <a:txBody>
+                    <a:bodyPr/>
+                    <a:lstStyle/>
+                    <a:p>
+                      <a:r>
+                        <a:rPr lang="en-US" dirty="0"/>
+                        <a:t>Team</a:t>
+                      </a:r>
+                    </a:p>
+                  </a:txBody>
+                  <a:tcPr/>
+                </a:tc>
+                <a:extLst>
+                  <a:ext uri="{0D108BD9-81ED-4DB2-BD59-A6C34878D82A}">
+                    <a16:rowId xmlns:a16="http://schemas.microsoft.com/office/drawing/2014/main" val="3399011853"/>
+                  </a:ext>
+                </a:extLst>
+              </a:tr>
+              <a:tr h="370840">
+                <a:tc>
+                  <a:txBody>
+                    <a:bodyPr/>
+                    <a:lstStyle/>
+                    <a:p>
+                      <a:r>
+                        <a:rPr lang="en-US" dirty="0"/>
+                        <a:t>Implementation</a:t>
+                      </a:r>
+                    </a:p>
+                  </a:txBody>
+                  <a:tcPr/>
+                </a:tc>
+                <a:tc>
+                  <a:txBody>
+                    <a:bodyPr/>
+                    <a:lstStyle/>
+                    <a:p>
+                      <a:r>
+                        <a:rPr lang="en-US" dirty="0"/>
+                        <a:t>Team</a:t>
+                      </a:r>
+                    </a:p>
+                  </a:txBody>
+                  <a:tcPr/>
+                </a:tc>
+                <a:extLst>
+                  <a:ext uri="{0D108BD9-81ED-4DB2-BD59-A6C34878D82A}">
+                    <a16:rowId xmlns:a16="http://schemas.microsoft.com/office/drawing/2014/main" val="2841678878"/>
+                  </a:ext>
+                </a:extLst>
+              </a:tr>
+              <a:tr h="370840">
+                <a:tc>
+                  <a:txBody>
+                    <a:bodyPr/>
+                    <a:lstStyle/>
+                    <a:p>
+                      <a:r>
+                        <a:rPr lang="en-US" dirty="0"/>
+                        <a:t>UI Design</a:t>
+                      </a:r>
+                    </a:p>
+                  </a:txBody>
+                  <a:tcPr/>
+                </a:tc>
+                <a:tc>
+                  <a:txBody>
+                    <a:bodyPr/>
+                    <a:lstStyle/>
+                    <a:p>
+                      <a:r>
+                        <a:rPr lang="en-US" dirty="0"/>
+                        <a:t>Team</a:t>
+                      </a:r>
+                    </a:p>
+                  </a:txBody>
+                  <a:tcPr/>
+                </a:tc>
+                <a:extLst>
+                  <a:ext uri="{0D108BD9-81ED-4DB2-BD59-A6C34878D82A}">
+                    <a16:rowId xmlns:a16="http://schemas.microsoft.com/office/drawing/2014/main" val="2140866030"/>
+                  </a:ext>
+                </a:extLst>
+              </a:tr>
+              <a:tr h="370840">
+                <a:tc>
+                  <a:txBody>
+                    <a:bodyPr/>
+                    <a:lstStyle/>
+                    <a:p>
+                      <a:pPr marL="0" marR="0" lvl="0" indent="0" algn="l" defTabSz="914400" rtl="0" eaLnBrk="1" fontAlgn="auto" latinLnBrk="0" hangingPunct="1">
+                        <a:lnSpc>
+                          <a:spcPct val="100000"/>
+                        </a:lnSpc>
+                        <a:spcBef>
+                          <a:spcPts val="0"/>
+                        </a:spcBef>
+                        <a:spcAft>
+                          <a:spcPts val="0"/>
+                        </a:spcAft>
+                        <a:buClrTx/>
+                        <a:buSzTx/>
+                        <a:buFontTx/>
+                        <a:buNone/>
+                        <a:tabLst/>
+                        <a:defRPr/>
+                      </a:pPr>
+                      <a:r>
+                        <a:rPr lang="en-US" dirty="0"/>
+                        <a:t>Testing</a:t>
+                      </a:r>
+                    </a:p>
+                  </a:txBody>
+                  <a:tcPr/>
+                </a:tc>
+                <a:tc>
+                  <a:txBody>
+                    <a:bodyPr/>
+                    <a:lstStyle/>
+                    <a:p>
+                      <a:r>
+                        <a:rPr lang="en-US" dirty="0"/>
+                        <a:t>Team</a:t>
+                      </a:r>
+                    </a:p>
+                  </a:txBody>
+                  <a:tcPr/>
+                </a:tc>
+                <a:extLst>
+                  <a:ext uri="{0D108BD9-81ED-4DB2-BD59-A6C34878D82A}">
+                    <a16:rowId xmlns:a16="http://schemas.microsoft.com/office/drawing/2014/main" val="3994849654"/>
+                  </a:ext>
+                </a:extLst>
+              </a:tr>
+              <a:tr h="370840">
+                <a:tc>
+                  <a:txBody>
+                    <a:bodyPr/>
+                    <a:lstStyle/>
+                    <a:p>
+                      <a:pPr marL="0" marR="0" lvl="0" indent="0" algn="l" defTabSz="914400" rtl="0" eaLnBrk="1" fontAlgn="auto" latinLnBrk="0" hangingPunct="1">
+                        <a:lnSpc>
+                          <a:spcPct val="100000"/>
+                        </a:lnSpc>
+                        <a:spcBef>
+                          <a:spcPts val="0"/>
+                        </a:spcBef>
+                        <a:spcAft>
+                          <a:spcPts val="0"/>
+                        </a:spcAft>
+                        <a:buClrTx/>
+                        <a:buSzTx/>
+                        <a:buFontTx/>
+                        <a:buNone/>
+                        <a:tabLst/>
+                        <a:defRPr/>
+                      </a:pPr>
+                      <a:r>
+                        <a:rPr lang="en-US" dirty="0"/>
+                        <a:t>Documentation</a:t>
+                      </a:r>
+                    </a:p>
+                  </a:txBody>
+                  <a:tcPr/>
+                </a:tc>
+                <a:tc>
+                  <a:txBody>
+                    <a:bodyPr/>
+                    <a:lstStyle/>
+                    <a:p>
+                      <a:r>
+                        <a:rPr lang="en-US" dirty="0"/>
+                        <a:t>Team</a:t>
+                      </a:r>
+                    </a:p>
+                  </a:txBody>
+                  <a:tcPr/>
+                </a:tc>
+                <a:extLst>
+                  <a:ext uri="{0D108BD9-81ED-4DB2-BD59-A6C34878D82A}">
+                    <a16:rowId xmlns:a16="http://schemas.microsoft.com/office/drawing/2014/main" val="1510319471"/>
+                  </a:ext>
+                </a:extLst>
+              </a:tr>
+            </a:tbl>
+          </a:graphicData>
+        </a:graphic>
+      </p:graphicFrame>
+      <p:sp>
+        <p:nvSpPr>
+          <p:cNvPr id="4" name="Slide Number Placeholder 3">
+            <a:extLst>
+              <a:ext uri="{FF2B5EF4-FFF2-40B4-BE49-F238E27FC236}">
+                <a16:creationId xmlns:a16="http://schemas.microsoft.com/office/drawing/2014/main" id="{02DAFDE3-3DC8-BA46-9FC0-C2A8DAD1FA8D}"/>
+              </a:ext>
+            </a:extLst>
+          </p:cNvPr>
+          <p:cNvSpPr>
+            <a:spLocks noGrp="1"/>
+          </p:cNvSpPr>
+          <p:nvPr>
+            <p:ph type="sldNum" sz="quarter" idx="12"/>
+          </p:nvPr>
+        </p:nvSpPr>
+        <p:spPr/>
+        <p:txBody>
+          <a:bodyPr/>
+          <a:lstStyle/>
+          <a:p>
+            <a:fld id="{87DF2A7E-8477-AD4D-AAAC-6B3DEECADF48}" type="slidenum">
+              <a:rPr lang="de-DE" smtClean="0"/>
+              <a:t>6</a:t>
             </a:fld>
             <a:endParaRPr lang="de-DE"/>
           </a:p>
@@ -4337,336 +4943,42 @@
           </a:prstGeom>
         </p:spPr>
       </p:pic>
-    </p:spTree>
-    <p:extLst>
-      <p:ext uri="{BB962C8B-B14F-4D97-AF65-F5344CB8AC3E}">
-        <p14:creationId xmlns:p14="http://schemas.microsoft.com/office/powerpoint/2010/main" val="3528003949"/>
-      </p:ext>
-    </p:extLst>
-  </p:cSld>
-  <p:clrMapOvr>
-    <a:masterClrMapping/>
-  </p:clrMapOvr>
-</p:sld>
-</file>
-
-<file path=ppt/slides/slide6.xml><?xml version="1.0" encoding="utf-8"?>
-<p:sld xmlns:a="http://schemas.openxmlformats.org/drawingml/2006/main" xmlns:r="http://schemas.openxmlformats.org/officeDocument/2006/relationships" xmlns:p="http://schemas.openxmlformats.org/presentationml/2006/main">
-  <p:cSld>
-    <p:spTree>
-      <p:nvGrpSpPr>
-        <p:cNvPr id="1" name=""/>
-        <p:cNvGrpSpPr/>
-        <p:nvPr/>
-      </p:nvGrpSpPr>
-      <p:grpSpPr>
-        <a:xfrm>
-          <a:off x="0" y="0"/>
-          <a:ext cx="0" cy="0"/>
-          <a:chOff x="0" y="0"/>
-          <a:chExt cx="0" cy="0"/>
-        </a:xfrm>
-      </p:grpSpPr>
-      <p:sp>
-        <p:nvSpPr>
-          <p:cNvPr id="2" name="Title 1">
+      <p:sp>
+        <p:nvSpPr>
+          <p:cNvPr id="13" name="TextBox 12">
             <a:extLst>
               <a:ext uri="{FF2B5EF4-FFF2-40B4-BE49-F238E27FC236}">
-                <a16:creationId xmlns:a16="http://schemas.microsoft.com/office/drawing/2014/main" id="{D4858DAF-249F-5148-9CF1-E8D24A5F7E28}"/>
+                <a16:creationId xmlns:a16="http://schemas.microsoft.com/office/drawing/2014/main" id="{6A5E4889-33FC-1B46-A818-75DAABDD5386}"/>
               </a:ext>
             </a:extLst>
           </p:cNvPr>
-          <p:cNvSpPr>
-            <a:spLocks noGrp="1"/>
-          </p:cNvSpPr>
-          <p:nvPr>
-            <p:ph type="title"/>
-          </p:nvPr>
-        </p:nvSpPr>
-        <p:spPr/>
-        <p:txBody>
-          <a:bodyPr/>
-          <a:lstStyle/>
-          <a:p>
-            <a:pPr algn="ctr"/>
-            <a:r>
-              <a:rPr lang="en-US" dirty="0"/>
-              <a:t>Project Plan</a:t>
-            </a:r>
-          </a:p>
-        </p:txBody>
-      </p:sp>
-      <p:sp>
-        <p:nvSpPr>
-          <p:cNvPr id="3" name="Content Placeholder 2">
-            <a:extLst>
-              <a:ext uri="{FF2B5EF4-FFF2-40B4-BE49-F238E27FC236}">
-                <a16:creationId xmlns:a16="http://schemas.microsoft.com/office/drawing/2014/main" id="{ED8CA070-04CC-FB4D-AFC6-2FBAE50B479E}"/>
-              </a:ext>
-            </a:extLst>
-          </p:cNvPr>
-          <p:cNvSpPr>
-            <a:spLocks noGrp="1"/>
-          </p:cNvSpPr>
-          <p:nvPr>
-            <p:ph idx="1"/>
-          </p:nvPr>
-        </p:nvSpPr>
-        <p:spPr/>
-        <p:txBody>
-          <a:bodyPr/>
-          <a:lstStyle/>
-          <a:p>
-            <a:endParaRPr lang="en-US" dirty="0"/>
-          </a:p>
-        </p:txBody>
-      </p:sp>
-      <p:sp>
-        <p:nvSpPr>
-          <p:cNvPr id="4" name="Slide Number Placeholder 3">
-            <a:extLst>
-              <a:ext uri="{FF2B5EF4-FFF2-40B4-BE49-F238E27FC236}">
-                <a16:creationId xmlns:a16="http://schemas.microsoft.com/office/drawing/2014/main" id="{02DAFDE3-3DC8-BA46-9FC0-C2A8DAD1FA8D}"/>
-              </a:ext>
-            </a:extLst>
-          </p:cNvPr>
-          <p:cNvSpPr>
-            <a:spLocks noGrp="1"/>
-          </p:cNvSpPr>
-          <p:nvPr>
-            <p:ph type="sldNum" sz="quarter" idx="12"/>
-          </p:nvPr>
-        </p:nvSpPr>
-        <p:spPr/>
-        <p:txBody>
-          <a:bodyPr/>
-          <a:lstStyle/>
-          <a:p>
-            <a:fld id="{87DF2A7E-8477-AD4D-AAAC-6B3DEECADF48}" type="slidenum">
-              <a:rPr lang="de-DE" smtClean="0"/>
-              <a:t>6</a:t>
-            </a:fld>
-            <a:endParaRPr lang="de-DE"/>
-          </a:p>
-        </p:txBody>
-      </p:sp>
-      <p:pic>
-        <p:nvPicPr>
-          <p:cNvPr id="5" name="Graphic 4">
-            <a:extLst>
-              <a:ext uri="{FF2B5EF4-FFF2-40B4-BE49-F238E27FC236}">
-                <a16:creationId xmlns:a16="http://schemas.microsoft.com/office/drawing/2014/main" id="{6D17843F-67EA-D94B-84D4-8EE26E479970}"/>
-              </a:ext>
-            </a:extLst>
-          </p:cNvPr>
-          <p:cNvPicPr>
-            <a:picLocks noChangeAspect="1"/>
-          </p:cNvPicPr>
+          <p:cNvSpPr txBox="1"/>
           <p:nvPr/>
-        </p:nvPicPr>
-        <p:blipFill>
-          <a:blip r:embed="rId2">
-            <a:extLst>
-              <a:ext uri="{96DAC541-7B7A-43D3-8B79-37D633B846F1}">
-                <asvg:svgBlip xmlns:asvg="http://schemas.microsoft.com/office/drawing/2016/SVG/main" r:embed="rId3"/>
-              </a:ext>
-            </a:extLst>
-          </a:blip>
-          <a:stretch>
-            <a:fillRect/>
-          </a:stretch>
-        </p:blipFill>
+        </p:nvSpPr>
         <p:spPr>
           <a:xfrm>
-            <a:off x="9423400" y="131763"/>
-            <a:ext cx="2489200" cy="990600"/>
+            <a:off x="1095153" y="5380074"/>
+            <a:ext cx="9867014" cy="369332"/>
           </a:xfrm>
           <a:prstGeom prst="rect">
             <a:avLst/>
           </a:prstGeom>
+          <a:noFill/>
         </p:spPr>
-      </p:pic>
-    </p:spTree>
-    <p:extLst>
-      <p:ext uri="{BB962C8B-B14F-4D97-AF65-F5344CB8AC3E}">
-        <p14:creationId xmlns:p14="http://schemas.microsoft.com/office/powerpoint/2010/main" val="2754260325"/>
-      </p:ext>
-    </p:extLst>
-  </p:cSld>
-  <p:clrMapOvr>
-    <a:masterClrMapping/>
-  </p:clrMapOvr>
-</p:sld>
-</file>
-
-<file path=ppt/slides/slide7.xml><?xml version="1.0" encoding="utf-8"?>
-<p:sld xmlns:a="http://schemas.openxmlformats.org/drawingml/2006/main" xmlns:r="http://schemas.openxmlformats.org/officeDocument/2006/relationships" xmlns:p="http://schemas.openxmlformats.org/presentationml/2006/main">
-  <p:cSld>
-    <p:spTree>
-      <p:nvGrpSpPr>
-        <p:cNvPr id="1" name=""/>
-        <p:cNvGrpSpPr/>
-        <p:nvPr/>
-      </p:nvGrpSpPr>
-      <p:grpSpPr>
-        <a:xfrm>
-          <a:off x="0" y="0"/>
-          <a:ext cx="0" cy="0"/>
-          <a:chOff x="0" y="0"/>
-          <a:chExt cx="0" cy="0"/>
-        </a:xfrm>
-      </p:grpSpPr>
-      <p:sp>
-        <p:nvSpPr>
-          <p:cNvPr id="2" name="Title 1">
-            <a:extLst>
-              <a:ext uri="{FF2B5EF4-FFF2-40B4-BE49-F238E27FC236}">
-                <a16:creationId xmlns:a16="http://schemas.microsoft.com/office/drawing/2014/main" id="{D4858DAF-249F-5148-9CF1-E8D24A5F7E28}"/>
-              </a:ext>
-            </a:extLst>
-          </p:cNvPr>
-          <p:cNvSpPr>
-            <a:spLocks noGrp="1"/>
-          </p:cNvSpPr>
-          <p:nvPr>
-            <p:ph type="title"/>
-          </p:nvPr>
-        </p:nvSpPr>
-        <p:spPr/>
-        <p:txBody>
-          <a:bodyPr/>
+        <p:txBody>
+          <a:bodyPr wrap="square" rtlCol="0">
+            <a:spAutoFit/>
+          </a:bodyPr>
           <a:lstStyle/>
           <a:p>
             <a:pPr algn="ctr"/>
             <a:r>
               <a:rPr lang="en-US" dirty="0"/>
-              <a:t>Individual Roles</a:t>
-            </a:r>
-          </a:p>
-        </p:txBody>
-      </p:sp>
-      <p:sp>
-        <p:nvSpPr>
-          <p:cNvPr id="3" name="Content Placeholder 2">
-            <a:extLst>
-              <a:ext uri="{FF2B5EF4-FFF2-40B4-BE49-F238E27FC236}">
-                <a16:creationId xmlns:a16="http://schemas.microsoft.com/office/drawing/2014/main" id="{ED8CA070-04CC-FB4D-AFC6-2FBAE50B479E}"/>
-              </a:ext>
-            </a:extLst>
-          </p:cNvPr>
-          <p:cNvSpPr>
-            <a:spLocks noGrp="1"/>
-          </p:cNvSpPr>
-          <p:nvPr>
-            <p:ph idx="1"/>
-          </p:nvPr>
-        </p:nvSpPr>
-        <p:spPr/>
-        <p:txBody>
-          <a:bodyPr/>
-          <a:lstStyle/>
-          <a:p>
-            <a:r>
-              <a:rPr lang="en-US" dirty="0"/>
-              <a:t>Design and Architecture</a:t>
-            </a:r>
-          </a:p>
-          <a:p>
-            <a:r>
-              <a:rPr lang="en-US" dirty="0"/>
-              <a:t>Each 2 algorithms.</a:t>
-            </a:r>
-          </a:p>
-          <a:p>
-            <a:r>
-              <a:rPr lang="en-US" dirty="0"/>
-              <a:t>UI -  Common split(</a:t>
-            </a:r>
-            <a:r>
-              <a:rPr lang="en-US" dirty="0" err="1"/>
-              <a:t>Parallely</a:t>
-            </a:r>
-            <a:r>
-              <a:rPr lang="en-US" dirty="0"/>
-              <a:t>)</a:t>
-            </a:r>
-          </a:p>
-          <a:p>
-            <a:r>
-              <a:rPr lang="en-US" dirty="0"/>
-              <a:t>Report(Based on what one has implemented)</a:t>
-            </a:r>
-          </a:p>
-          <a:p>
-            <a:endParaRPr lang="en-US" dirty="0"/>
-          </a:p>
-        </p:txBody>
-      </p:sp>
-      <p:sp>
-        <p:nvSpPr>
-          <p:cNvPr id="4" name="Slide Number Placeholder 3">
-            <a:extLst>
-              <a:ext uri="{FF2B5EF4-FFF2-40B4-BE49-F238E27FC236}">
-                <a16:creationId xmlns:a16="http://schemas.microsoft.com/office/drawing/2014/main" id="{02DAFDE3-3DC8-BA46-9FC0-C2A8DAD1FA8D}"/>
-              </a:ext>
-            </a:extLst>
-          </p:cNvPr>
-          <p:cNvSpPr>
-            <a:spLocks noGrp="1"/>
-          </p:cNvSpPr>
-          <p:nvPr>
-            <p:ph type="sldNum" sz="quarter" idx="12"/>
-          </p:nvPr>
-        </p:nvSpPr>
-        <p:spPr/>
-        <p:txBody>
-          <a:bodyPr/>
-          <a:lstStyle/>
-          <a:p>
-            <a:fld id="{87DF2A7E-8477-AD4D-AAAC-6B3DEECADF48}" type="slidenum">
-              <a:rPr lang="de-DE" smtClean="0"/>
-              <a:t>7</a:t>
-            </a:fld>
-            <a:endParaRPr lang="de-DE"/>
-          </a:p>
-        </p:txBody>
-      </p:sp>
-      <p:pic>
-        <p:nvPicPr>
-          <p:cNvPr id="5" name="Graphic 4">
-            <a:extLst>
-              <a:ext uri="{FF2B5EF4-FFF2-40B4-BE49-F238E27FC236}">
-                <a16:creationId xmlns:a16="http://schemas.microsoft.com/office/drawing/2014/main" id="{6D17843F-67EA-D94B-84D4-8EE26E479970}"/>
-              </a:ext>
-            </a:extLst>
-          </p:cNvPr>
-          <p:cNvPicPr>
-            <a:picLocks noChangeAspect="1"/>
-          </p:cNvPicPr>
-          <p:nvPr/>
-        </p:nvPicPr>
-        <p:blipFill>
-          <a:blip r:embed="rId2">
-            <a:extLst>
-              <a:ext uri="{96DAC541-7B7A-43D3-8B79-37D633B846F1}">
-                <asvg:svgBlip xmlns:asvg="http://schemas.microsoft.com/office/drawing/2016/SVG/main" r:embed="rId3"/>
-              </a:ext>
-            </a:extLst>
-          </a:blip>
-          <a:stretch>
-            <a:fillRect/>
-          </a:stretch>
-        </p:blipFill>
-        <p:spPr>
-          <a:xfrm>
-            <a:off x="9423400" y="131763"/>
-            <a:ext cx="2489200" cy="990600"/>
-          </a:xfrm>
-          <a:prstGeom prst="rect">
-            <a:avLst/>
-          </a:prstGeom>
-        </p:spPr>
-      </p:pic>
+              <a:t>We have adopted the Pair Programming software development technique.</a:t>
+            </a:r>
+          </a:p>
+        </p:txBody>
+      </p:sp>
     </p:spTree>
     <p:extLst>
       <p:ext uri="{BB962C8B-B14F-4D97-AF65-F5344CB8AC3E}">

--- a/RTS_InitialProjectReport.pptx
+++ b/RTS_InitialProjectReport.pptx
@@ -202,7 +202,7 @@
           <a:p>
             <a:fld id="{266DAC16-DA02-F847-8D55-44345BC3D9A5}" type="datetimeFigureOut">
               <a:rPr lang="de-DE" smtClean="0"/>
-              <a:t>17.05.20</a:t>
+              <a:t>18.05.20</a:t>
             </a:fld>
             <a:endParaRPr lang="de-DE"/>
           </a:p>
@@ -470,6 +470,90 @@
 </p:notesMaster>
 </file>
 
+<file path=ppt/notesSlides/notesSlide1.xml><?xml version="1.0" encoding="utf-8"?>
+<p:notes xmlns:a="http://schemas.openxmlformats.org/drawingml/2006/main" xmlns:r="http://schemas.openxmlformats.org/officeDocument/2006/relationships" xmlns:p="http://schemas.openxmlformats.org/presentationml/2006/main">
+  <p:cSld>
+    <p:spTree>
+      <p:nvGrpSpPr>
+        <p:cNvPr id="1" name=""/>
+        <p:cNvGrpSpPr/>
+        <p:nvPr/>
+      </p:nvGrpSpPr>
+      <p:grpSpPr>
+        <a:xfrm>
+          <a:off x="0" y="0"/>
+          <a:ext cx="0" cy="0"/>
+          <a:chOff x="0" y="0"/>
+          <a:chExt cx="0" cy="0"/>
+        </a:xfrm>
+      </p:grpSpPr>
+      <p:sp>
+        <p:nvSpPr>
+          <p:cNvPr id="2" name="Slide Image Placeholder 1"/>
+          <p:cNvSpPr>
+            <a:spLocks noGrp="1" noRot="1" noChangeAspect="1"/>
+          </p:cNvSpPr>
+          <p:nvPr>
+            <p:ph type="sldImg"/>
+          </p:nvPr>
+        </p:nvSpPr>
+        <p:spPr/>
+      </p:sp>
+      <p:sp>
+        <p:nvSpPr>
+          <p:cNvPr id="3" name="Notes Placeholder 2"/>
+          <p:cNvSpPr>
+            <a:spLocks noGrp="1"/>
+          </p:cNvSpPr>
+          <p:nvPr>
+            <p:ph type="body" idx="1"/>
+          </p:nvPr>
+        </p:nvSpPr>
+        <p:spPr/>
+        <p:txBody>
+          <a:bodyPr/>
+          <a:lstStyle/>
+          <a:p>
+            <a:endParaRPr lang="en-US" dirty="0"/>
+          </a:p>
+        </p:txBody>
+      </p:sp>
+      <p:sp>
+        <p:nvSpPr>
+          <p:cNvPr id="4" name="Slide Number Placeholder 3"/>
+          <p:cNvSpPr>
+            <a:spLocks noGrp="1"/>
+          </p:cNvSpPr>
+          <p:nvPr>
+            <p:ph type="sldNum" sz="quarter" idx="5"/>
+          </p:nvPr>
+        </p:nvSpPr>
+        <p:spPr/>
+        <p:txBody>
+          <a:bodyPr/>
+          <a:lstStyle/>
+          <a:p>
+            <a:fld id="{6989C40D-A5FA-9D41-B261-246A7ED06252}" type="slidenum">
+              <a:rPr lang="de-DE" smtClean="0"/>
+              <a:t>5</a:t>
+            </a:fld>
+            <a:endParaRPr lang="de-DE"/>
+          </a:p>
+        </p:txBody>
+      </p:sp>
+    </p:spTree>
+    <p:extLst>
+      <p:ext uri="{BB962C8B-B14F-4D97-AF65-F5344CB8AC3E}">
+        <p14:creationId xmlns:p14="http://schemas.microsoft.com/office/powerpoint/2010/main" val="110764351"/>
+      </p:ext>
+    </p:extLst>
+  </p:cSld>
+  <p:clrMapOvr>
+    <a:masterClrMapping/>
+  </p:clrMapOvr>
+</p:notes>
+</file>
+
 <file path=ppt/slideLayouts/slideLayout1.xml><?xml version="1.0" encoding="utf-8"?>
 <p:sldLayout xmlns:a="http://schemas.openxmlformats.org/drawingml/2006/main" xmlns:r="http://schemas.openxmlformats.org/officeDocument/2006/relationships" xmlns:p="http://schemas.openxmlformats.org/presentationml/2006/main" type="title" preserve="1">
   <p:cSld name="Title Slide">
@@ -601,7 +685,7 @@
           <a:p>
             <a:fld id="{8B80C8B8-B73E-8B47-9E48-221C3F590C28}" type="datetime1">
               <a:rPr lang="de-DE" smtClean="0"/>
-              <a:t>17.05.20</a:t>
+              <a:t>18.05.20</a:t>
             </a:fld>
             <a:endParaRPr lang="de-DE"/>
           </a:p>
@@ -771,7 +855,7 @@
           <a:p>
             <a:fld id="{93C37B03-4513-A141-9022-E9824DCBB0A0}" type="datetime1">
               <a:rPr lang="de-DE" smtClean="0"/>
-              <a:t>17.05.20</a:t>
+              <a:t>18.05.20</a:t>
             </a:fld>
             <a:endParaRPr lang="de-DE"/>
           </a:p>
@@ -951,7 +1035,7 @@
           <a:p>
             <a:fld id="{FF214724-919D-3A48-917F-8917AAF14B3A}" type="datetime1">
               <a:rPr lang="de-DE" smtClean="0"/>
-              <a:t>17.05.20</a:t>
+              <a:t>18.05.20</a:t>
             </a:fld>
             <a:endParaRPr lang="de-DE"/>
           </a:p>
@@ -1121,7 +1205,7 @@
           <a:p>
             <a:fld id="{982A8D32-BB74-954F-ACFF-87E57C5AC28A}" type="datetime1">
               <a:rPr lang="de-DE" smtClean="0"/>
-              <a:t>17.05.20</a:t>
+              <a:t>18.05.20</a:t>
             </a:fld>
             <a:endParaRPr lang="de-DE"/>
           </a:p>
@@ -1367,7 +1451,7 @@
           <a:p>
             <a:fld id="{E46E76CB-6BB4-DA4C-B48D-169919057F8A}" type="datetime1">
               <a:rPr lang="de-DE" smtClean="0"/>
-              <a:t>17.05.20</a:t>
+              <a:t>18.05.20</a:t>
             </a:fld>
             <a:endParaRPr lang="de-DE"/>
           </a:p>
@@ -1599,7 +1683,7 @@
           <a:p>
             <a:fld id="{F55CE61A-5631-AE44-8294-14E7692462B8}" type="datetime1">
               <a:rPr lang="de-DE" smtClean="0"/>
-              <a:t>17.05.20</a:t>
+              <a:t>18.05.20</a:t>
             </a:fld>
             <a:endParaRPr lang="de-DE"/>
           </a:p>
@@ -1966,7 +2050,7 @@
           <a:p>
             <a:fld id="{77641EFC-DD41-024F-AF86-EE6616483216}" type="datetime1">
               <a:rPr lang="de-DE" smtClean="0"/>
-              <a:t>17.05.20</a:t>
+              <a:t>18.05.20</a:t>
             </a:fld>
             <a:endParaRPr lang="de-DE"/>
           </a:p>
@@ -2084,7 +2168,7 @@
           <a:p>
             <a:fld id="{390441C9-2726-8849-B1B3-1ACF09CA1DD5}" type="datetime1">
               <a:rPr lang="de-DE" smtClean="0"/>
-              <a:t>17.05.20</a:t>
+              <a:t>18.05.20</a:t>
             </a:fld>
             <a:endParaRPr lang="de-DE"/>
           </a:p>
@@ -2179,7 +2263,7 @@
           <a:p>
             <a:fld id="{58DD452A-2813-4646-AD19-8C4B9CDAB8F3}" type="datetime1">
               <a:rPr lang="de-DE" smtClean="0"/>
-              <a:t>17.05.20</a:t>
+              <a:t>18.05.20</a:t>
             </a:fld>
             <a:endParaRPr lang="de-DE"/>
           </a:p>
@@ -2456,7 +2540,7 @@
           <a:p>
             <a:fld id="{6BF90A40-5018-E844-AE4D-A04427B8A67D}" type="datetime1">
               <a:rPr lang="de-DE" smtClean="0"/>
-              <a:t>17.05.20</a:t>
+              <a:t>18.05.20</a:t>
             </a:fld>
             <a:endParaRPr lang="de-DE"/>
           </a:p>
@@ -2713,7 +2797,7 @@
           <a:p>
             <a:fld id="{B39CFF23-CD56-C845-9F00-3DA42EF60425}" type="datetime1">
               <a:rPr lang="de-DE" smtClean="0"/>
-              <a:t>17.05.20</a:t>
+              <a:t>18.05.20</a:t>
             </a:fld>
             <a:endParaRPr lang="de-DE"/>
           </a:p>
@@ -2953,7 +3037,7 @@
           <a:p>
             <a:fld id="{CCBDBEBC-F268-6843-9BFF-885A5F68C54F}" type="datetime1">
               <a:rPr lang="de-DE" smtClean="0"/>
-              <a:t>17.05.20</a:t>
+              <a:t>18.05.20</a:t>
             </a:fld>
             <a:endParaRPr lang="de-DE"/>
           </a:p>
@@ -3850,15 +3934,7 @@
             <a:pPr lvl="1"/>
             <a:r>
               <a:rPr lang="en-US" sz="2000" dirty="0"/>
-              <a:t>Multiple forms of input(.txt, .csv, .</a:t>
-            </a:r>
-            <a:r>
-              <a:rPr lang="en-US" sz="2000" dirty="0" err="1"/>
-              <a:t>xls</a:t>
-            </a:r>
-            <a:r>
-              <a:rPr lang="en-US" sz="2000" dirty="0"/>
-              <a:t> and via on screen input)</a:t>
+              <a:t>Multiple forms of input(.txt, .csv, .xlsx and via on screen input)</a:t>
             </a:r>
           </a:p>
           <a:p>
@@ -4374,10 +4450,10 @@
           <p:nvPr/>
         </p:nvPicPr>
         <p:blipFill>
-          <a:blip r:embed="rId3">
+          <a:blip r:embed="rId4">
             <a:extLst>
               <a:ext uri="{96DAC541-7B7A-43D3-8B79-37D633B846F1}">
-                <asvg:svgBlip xmlns:asvg="http://schemas.microsoft.com/office/drawing/2016/SVG/main" r:embed="rId4"/>
+                <asvg:svgBlip xmlns:asvg="http://schemas.microsoft.com/office/drawing/2016/SVG/main" r:embed="rId5"/>
               </a:ext>
             </a:extLst>
           </a:blip>
@@ -4423,12 +4499,12 @@
           <a:graphicData uri="http://schemas.openxmlformats.org/presentationml/2006/ole">
             <mc:AlternateContent xmlns:mc="http://schemas.openxmlformats.org/markup-compatibility/2006">
               <mc:Choice xmlns:v="urn:schemas-microsoft-com:vml" Requires="v">
-                <p:oleObj spid="_x0000_s1049" name="Worksheet" r:id="rId5" imgW="9804400" imgH="3378200" progId="Excel.Sheet.12">
+                <p:oleObj spid="_x0000_s1054" name="Worksheet" r:id="rId6" imgW="9804400" imgH="3378200" progId="Excel.Sheet.12">
                   <p:embed/>
                 </p:oleObj>
               </mc:Choice>
               <mc:Fallback>
-                <p:oleObj name="Worksheet" r:id="rId5" imgW="9804400" imgH="3378200" progId="Excel.Sheet.12">
+                <p:oleObj name="Worksheet" r:id="rId6" imgW="9804400" imgH="3378200" progId="Excel.Sheet.12">
                   <p:embed/>
                   <p:pic>
                     <p:nvPicPr>
@@ -4437,7 +4513,7 @@
                       <p:nvPr/>
                     </p:nvPicPr>
                     <p:blipFill>
-                      <a:blip r:embed="rId6"/>
+                      <a:blip r:embed="rId7"/>
                       <a:stretch>
                         <a:fillRect/>
                       </a:stretch>

--- a/RTS_InitialProjectReport.pptx
+++ b/RTS_InitialProjectReport.pptx
@@ -3777,15 +3777,7 @@
             </a:pPr>
             <a:r>
               <a:rPr lang="en-US" sz="2000" dirty="0"/>
-              <a:t>Least </a:t>
-            </a:r>
-            <a:r>
-              <a:rPr lang="en-US" sz="2000" dirty="0" err="1"/>
-              <a:t>Slacktime</a:t>
-            </a:r>
-            <a:r>
-              <a:rPr lang="en-US" sz="2000" dirty="0"/>
-              <a:t> First (LSF)</a:t>
+              <a:t>Least Slack time First (LSF)</a:t>
             </a:r>
           </a:p>
           <a:p>
@@ -4310,6 +4302,42 @@
           </a:p>
         </p:txBody>
       </p:sp>
+      <p:pic>
+        <p:nvPicPr>
+          <p:cNvPr id="7" name="Graphic 6">
+            <a:extLst>
+              <a:ext uri="{FF2B5EF4-FFF2-40B4-BE49-F238E27FC236}">
+                <a16:creationId xmlns:a16="http://schemas.microsoft.com/office/drawing/2014/main" id="{87D95348-75DE-8A42-9344-C0872286D034}"/>
+              </a:ext>
+            </a:extLst>
+          </p:cNvPr>
+          <p:cNvPicPr>
+            <a:picLocks noChangeAspect="1"/>
+          </p:cNvPicPr>
+          <p:nvPr/>
+        </p:nvPicPr>
+        <p:blipFill>
+          <a:blip r:embed="rId3">
+            <a:extLst>
+              <a:ext uri="{96DAC541-7B7A-43D3-8B79-37D633B846F1}">
+                <asvg:svgBlip xmlns:asvg="http://schemas.microsoft.com/office/drawing/2016/SVG/main" r:embed="rId4"/>
+              </a:ext>
+            </a:extLst>
+          </a:blip>
+          <a:stretch>
+            <a:fillRect/>
+          </a:stretch>
+        </p:blipFill>
+        <p:spPr>
+          <a:xfrm>
+            <a:off x="9423400" y="131763"/>
+            <a:ext cx="2489200" cy="990600"/>
+          </a:xfrm>
+          <a:prstGeom prst="rect">
+            <a:avLst/>
+          </a:prstGeom>
+        </p:spPr>
+      </p:pic>
     </p:spTree>
     <p:extLst>
       <p:ext uri="{BB962C8B-B14F-4D97-AF65-F5344CB8AC3E}">
@@ -4473,10 +4501,10 @@
       </p:pic>
       <p:graphicFrame>
         <p:nvGraphicFramePr>
-          <p:cNvPr id="9" name="Object 8">
+          <p:cNvPr id="10" name="Object 9">
             <a:extLst>
               <a:ext uri="{FF2B5EF4-FFF2-40B4-BE49-F238E27FC236}">
-                <a16:creationId xmlns:a16="http://schemas.microsoft.com/office/drawing/2014/main" id="{D8D6CD04-D80E-9F4F-8FC7-B09E2B6C477D}"/>
+                <a16:creationId xmlns:a16="http://schemas.microsoft.com/office/drawing/2014/main" id="{F05B795C-5C1F-AA41-A1C4-2973FA1AA418}"/>
               </a:ext>
             </a:extLst>
           </p:cNvPr>
@@ -4486,20 +4514,20 @@
           <p:nvPr>
             <p:extLst>
               <p:ext uri="{D42A27DB-BD31-4B8C-83A1-F6EECF244321}">
-                <p14:modId xmlns:p14="http://schemas.microsoft.com/office/powerpoint/2010/main" val="1118756115"/>
+                <p14:modId xmlns:p14="http://schemas.microsoft.com/office/powerpoint/2010/main" val="2458779836"/>
               </p:ext>
             </p:extLst>
           </p:nvPr>
         </p:nvGraphicFramePr>
         <p:xfrm>
-          <a:off x="1193800" y="1739899"/>
+          <a:off x="1193800" y="1646238"/>
           <a:ext cx="9804400" cy="3378201"/>
         </p:xfrm>
         <a:graphic>
           <a:graphicData uri="http://schemas.openxmlformats.org/presentationml/2006/ole">
             <mc:AlternateContent xmlns:mc="http://schemas.openxmlformats.org/markup-compatibility/2006">
               <mc:Choice xmlns:v="urn:schemas-microsoft-com:vml" Requires="v">
-                <p:oleObj spid="_x0000_s1054" name="Worksheet" r:id="rId6" imgW="9804400" imgH="3378200" progId="Excel.Sheet.12">
+                <p:oleObj spid="_x0000_s1063" name="Worksheet" r:id="rId6" imgW="9804400" imgH="3378200" progId="Excel.Sheet.12">
                   <p:embed/>
                 </p:oleObj>
               </mc:Choice>
@@ -4520,7 +4548,7 @@
                     </p:blipFill>
                     <p:spPr>
                       <a:xfrm>
-                        <a:off x="1193800" y="1739899"/>
+                        <a:off x="1193800" y="1646238"/>
                         <a:ext cx="9804400" cy="3378201"/>
                       </a:xfrm>
                       <a:prstGeom prst="rect">
